--- a/CUCUZZA COIN.pptx
+++ b/CUCUZZA COIN.pptx
@@ -224,7 +224,7 @@
             <a:pPr algn="r" rtl="0"/>
             <a:fld id="{D50F3B11-940E-47CE-B693-CE7D23FE028D}" type="datetime1">
               <a:rPr lang="it-IT" smtClean="0"/>
-              <a:t>15/12/2017</a:t>
+              <a:t>12/01/2018</a:t>
             </a:fld>
             <a:endParaRPr lang="it-IT" dirty="0"/>
           </a:p>
@@ -394,7 +394,7 @@
             <a:fld id="{A4BF746C-B2A6-4B2E-9724-880F3AE30A67}" type="datetime1">
               <a:rPr lang="it-IT" smtClean="0"/>
               <a:pPr/>
-              <a:t>15/12/2017</a:t>
+              <a:t>12/01/2018</a:t>
             </a:fld>
             <a:endParaRPr lang="it-IT" dirty="0"/>
           </a:p>
@@ -1036,7 +1036,7 @@
             <a:fld id="{C7734052-D933-4BCC-B6A5-48EFD76F7754}" type="datetime1">
               <a:rPr lang="it-IT" smtClean="0"/>
               <a:pPr/>
-              <a:t>15/12/2017</a:t>
+              <a:t>12/01/2018</a:t>
             </a:fld>
             <a:endParaRPr lang="it-IT" dirty="0"/>
           </a:p>
@@ -1223,7 +1223,7 @@
             <a:fld id="{F6CDBF89-191F-4BB6-A0A5-AE82CFBD06FA}" type="datetime1">
               <a:rPr lang="it-IT" smtClean="0"/>
               <a:pPr/>
-              <a:t>15/12/2017</a:t>
+              <a:t>12/01/2018</a:t>
             </a:fld>
             <a:endParaRPr lang="it-IT" dirty="0"/>
           </a:p>
@@ -1404,7 +1404,7 @@
             <a:fld id="{68AB5625-64B4-460E-A6D9-369CE1012A9B}" type="datetime1">
               <a:rPr lang="it-IT" noProof="0" smtClean="0"/>
               <a:pPr/>
-              <a:t>15/12/2017</a:t>
+              <a:t>12/01/2018</a:t>
             </a:fld>
             <a:endParaRPr lang="it-IT" noProof="0" dirty="0"/>
           </a:p>
@@ -1846,7 +1846,7 @@
             <a:fld id="{AE3FD152-3CF4-4A12-82AF-D5B89DAE18A5}" type="datetime1">
               <a:rPr lang="it-IT" smtClean="0"/>
               <a:pPr/>
-              <a:t>15/12/2017</a:t>
+              <a:t>12/01/2018</a:t>
             </a:fld>
             <a:endParaRPr lang="it-IT" dirty="0"/>
           </a:p>
@@ -2292,7 +2292,7 @@
             <a:fld id="{B973B550-EAE9-42BF-A7DE-AB698B003719}" type="datetime1">
               <a:rPr lang="it-IT" smtClean="0"/>
               <a:pPr/>
-              <a:t>15/12/2017</a:t>
+              <a:t>12/01/2018</a:t>
             </a:fld>
             <a:r>
               <a:rPr lang="it-IT" dirty="0"/>
@@ -2421,7 +2421,7 @@
             <a:fld id="{45DBFB90-286B-4CDB-A537-E7766944BBAA}" type="datetime1">
               <a:rPr lang="it-IT" smtClean="0"/>
               <a:pPr/>
-              <a:t>15/12/2017</a:t>
+              <a:t>12/01/2018</a:t>
             </a:fld>
             <a:endParaRPr lang="it-IT" dirty="0"/>
           </a:p>
@@ -2523,7 +2523,7 @@
             <a:fld id="{757A6CF1-12FE-4BE3-BB63-C2344989F7C5}" type="datetime1">
               <a:rPr lang="it-IT" smtClean="0"/>
               <a:pPr/>
-              <a:t>15/12/2017</a:t>
+              <a:t>12/01/2018</a:t>
             </a:fld>
             <a:endParaRPr lang="it-IT" dirty="0"/>
           </a:p>
@@ -2814,7 +2814,7 @@
             <a:fld id="{552CC9C2-6E71-4474-A4C0-C6B34CDA8882}" type="datetime1">
               <a:rPr lang="it-IT" smtClean="0"/>
               <a:pPr/>
-              <a:t>15/12/2017</a:t>
+              <a:t>12/01/2018</a:t>
             </a:fld>
             <a:endParaRPr lang="it-IT" dirty="0"/>
           </a:p>
@@ -3136,7 +3136,7 @@
             <a:fld id="{7B83B478-ACB0-4EE2-AD22-6C44567486AE}" type="datetime1">
               <a:rPr lang="it-IT" smtClean="0"/>
               <a:pPr/>
-              <a:t>15/12/2017</a:t>
+              <a:t>12/01/2018</a:t>
             </a:fld>
             <a:endParaRPr lang="it-IT" dirty="0"/>
           </a:p>
@@ -3351,7 +3351,7 @@
             <a:fld id="{856CDCEB-3746-40FA-A774-AE430F8D6A09}" type="datetime1">
               <a:rPr lang="it-IT" smtClean="0"/>
               <a:pPr/>
-              <a:t>15/12/2017</a:t>
+              <a:t>12/01/2018</a:t>
             </a:fld>
             <a:endParaRPr lang="it-IT" dirty="0"/>
           </a:p>
@@ -3978,7 +3978,7 @@
         <p:spPr>
           <a:xfrm>
             <a:off x="4943872" y="2260315"/>
-            <a:ext cx="6552728" cy="2031325"/>
+            <a:ext cx="6552728" cy="2308324"/>
           </a:xfrm>
           <a:prstGeom prst="rect">
             <a:avLst/>
@@ -4044,7 +4044,7 @@
                 </a:solidFill>
                 <a:latin typeface="+mj-lt"/>
               </a:rPr>
-              <a:t>it’s</a:t>
+              <a:t>its</a:t>
             </a:r>
             <a:r>
               <a:rPr lang="it-IT" dirty="0">
@@ -4161,7 +4161,25 @@
                 </a:solidFill>
                 <a:latin typeface="+mj-lt"/>
               </a:rPr>
-              <a:t> the creator use </a:t>
+              <a:t> the creator </a:t>
+            </a:r>
+            <a:r>
+              <a:rPr lang="it-IT" dirty="0" err="1">
+                <a:solidFill>
+                  <a:srgbClr val="00E90A"/>
+                </a:solidFill>
+                <a:latin typeface="+mj-lt"/>
+              </a:rPr>
+              <a:t>uses</a:t>
+            </a:r>
+            <a:r>
+              <a:rPr lang="it-IT" dirty="0">
+                <a:solidFill>
+                  <a:srgbClr val="00E90A"/>
+                </a:solidFill>
+                <a:latin typeface="+mj-lt"/>
+              </a:rPr>
+              <a:t> </a:t>
             </a:r>
             <a:r>
               <a:rPr lang="it-IT" dirty="0" err="1">
@@ -4443,7 +4461,25 @@
                 </a:solidFill>
                 <a:latin typeface="+mj-lt"/>
               </a:rPr>
-              <a:t> Cucuzza and Calabria start with «C», </a:t>
+              <a:t> Cucuzza and Calabria </a:t>
+            </a:r>
+            <a:r>
+              <a:rPr lang="it-IT" dirty="0" err="1">
+                <a:solidFill>
+                  <a:srgbClr val="00E90A"/>
+                </a:solidFill>
+                <a:latin typeface="+mj-lt"/>
+              </a:rPr>
+              <a:t>both</a:t>
+            </a:r>
+            <a:r>
+              <a:rPr lang="it-IT" dirty="0">
+                <a:solidFill>
+                  <a:srgbClr val="00E90A"/>
+                </a:solidFill>
+                <a:latin typeface="+mj-lt"/>
+              </a:rPr>
+              <a:t> start with «C», </a:t>
             </a:r>
             <a:r>
               <a:rPr lang="it-IT" dirty="0" err="1">
@@ -4779,7 +4815,25 @@
                 </a:solidFill>
                 <a:latin typeface="+mj-lt"/>
               </a:rPr>
-              <a:t> are more companies in the world </a:t>
+              <a:t> are a </a:t>
+            </a:r>
+            <a:r>
+              <a:rPr lang="it-IT" dirty="0" err="1">
+                <a:solidFill>
+                  <a:srgbClr val="00E90A"/>
+                </a:solidFill>
+                <a:latin typeface="+mj-lt"/>
+              </a:rPr>
+              <a:t>lot</a:t>
+            </a:r>
+            <a:r>
+              <a:rPr lang="it-IT" dirty="0">
+                <a:solidFill>
+                  <a:srgbClr val="00E90A"/>
+                </a:solidFill>
+                <a:latin typeface="+mj-lt"/>
+              </a:rPr>
+              <a:t> of companies in the world </a:t>
             </a:r>
             <a:r>
               <a:rPr lang="it-IT" dirty="0" err="1">
@@ -5641,7 +5695,7 @@
                 </a:solidFill>
                 <a:latin typeface="+mj-lt"/>
               </a:rPr>
-              <a:t> and i can </a:t>
+              <a:t> and I can </a:t>
             </a:r>
             <a:r>
               <a:rPr lang="it-IT" dirty="0" err="1">
@@ -6627,7 +6681,7 @@
                 </a:solidFill>
                 <a:latin typeface="+mj-lt"/>
               </a:rPr>
-              <a:t> are a </a:t>
+              <a:t> are </a:t>
             </a:r>
             <a:r>
               <a:rPr lang="it-IT" sz="2000" dirty="0" err="1">
@@ -6672,7 +6726,7 @@
                 </a:solidFill>
                 <a:latin typeface="+mj-lt"/>
               </a:rPr>
-              <a:t>reward</a:t>
+              <a:t>rewards</a:t>
             </a:r>
             <a:r>
               <a:rPr lang="it-IT" sz="2000" dirty="0">
@@ -7109,7 +7163,7 @@
                 </a:solidFill>
                 <a:latin typeface="+mj-lt"/>
               </a:rPr>
-              <a:t>, the Cucuzza </a:t>
+              <a:t>; the Cucuzza </a:t>
             </a:r>
             <a:r>
               <a:rPr lang="it-IT" dirty="0" err="1">
@@ -7316,7 +7370,7 @@
                 </a:solidFill>
                 <a:latin typeface="+mj-lt"/>
               </a:rPr>
-              <a:t>encouraging</a:t>
+              <a:t>encourage</a:t>
             </a:r>
             <a:r>
               <a:rPr lang="it-IT" dirty="0">
@@ -8439,141 +8493,6 @@
 </file>
 
 <file path=customXml/item1.xml><?xml version="1.0" encoding="utf-8"?>
-<p:properties xmlns:p="http://schemas.microsoft.com/office/2006/metadata/properties" xmlns:xsi="http://www.w3.org/2001/XMLSchema-instance" xmlns:pc="http://schemas.microsoft.com/office/infopath/2007/PartnerControls">
-  <documentManagement>
-    <DirectSourceMarket xmlns="4873beb7-5857-4685-be1f-d57550cc96cc" xsi:nil="true"/>
-    <ApprovalStatus xmlns="4873beb7-5857-4685-be1f-d57550cc96cc">InProgress</ApprovalStatus>
-    <MarketSpecific xmlns="4873beb7-5857-4685-be1f-d57550cc96cc">false</MarketSpecific>
-    <LocComments xmlns="4873beb7-5857-4685-be1f-d57550cc96cc" xsi:nil="true"/>
-    <ThumbnailAssetId xmlns="4873beb7-5857-4685-be1f-d57550cc96cc" xsi:nil="true"/>
-    <PrimaryImageGen xmlns="4873beb7-5857-4685-be1f-d57550cc96cc">true</PrimaryImageGen>
-    <LegacyData xmlns="4873beb7-5857-4685-be1f-d57550cc96cc" xsi:nil="true"/>
-    <LocRecommendedHandoff xmlns="4873beb7-5857-4685-be1f-d57550cc96cc" xsi:nil="true"/>
-    <BusinessGroup xmlns="4873beb7-5857-4685-be1f-d57550cc96cc" xsi:nil="true"/>
-    <BlockPublish xmlns="4873beb7-5857-4685-be1f-d57550cc96cc">false</BlockPublish>
-    <TPFriendlyName xmlns="4873beb7-5857-4685-be1f-d57550cc96cc" xsi:nil="true"/>
-    <NumericId xmlns="4873beb7-5857-4685-be1f-d57550cc96cc" xsi:nil="true"/>
-    <APEditor xmlns="4873beb7-5857-4685-be1f-d57550cc96cc">
-      <UserInfo>
-        <DisplayName/>
-        <AccountId xsi:nil="true"/>
-        <AccountType/>
-      </UserInfo>
-    </APEditor>
-    <SourceTitle xmlns="4873beb7-5857-4685-be1f-d57550cc96cc" xsi:nil="true"/>
-    <OpenTemplate xmlns="4873beb7-5857-4685-be1f-d57550cc96cc">true</OpenTemplate>
-    <UALocComments xmlns="4873beb7-5857-4685-be1f-d57550cc96cc" xsi:nil="true"/>
-    <ParentAssetId xmlns="4873beb7-5857-4685-be1f-d57550cc96cc" xsi:nil="true"/>
-    <IntlLangReviewDate xmlns="4873beb7-5857-4685-be1f-d57550cc96cc" xsi:nil="true"/>
-    <FeatureTagsTaxHTField0 xmlns="4873beb7-5857-4685-be1f-d57550cc96cc">
-      <Terms xmlns="http://schemas.microsoft.com/office/infopath/2007/PartnerControls"/>
-    </FeatureTagsTaxHTField0>
-    <PublishStatusLookup xmlns="4873beb7-5857-4685-be1f-d57550cc96cc">
-      <Value>1566889</Value>
-    </PublishStatusLookup>
-    <Providers xmlns="4873beb7-5857-4685-be1f-d57550cc96cc" xsi:nil="true"/>
-    <MachineTranslated xmlns="4873beb7-5857-4685-be1f-d57550cc96cc">false</MachineTranslated>
-    <OriginalSourceMarket xmlns="4873beb7-5857-4685-be1f-d57550cc96cc" xsi:nil="true"/>
-    <APDescription xmlns="4873beb7-5857-4685-be1f-d57550cc96cc" xsi:nil="true"/>
-    <ClipArtFilename xmlns="4873beb7-5857-4685-be1f-d57550cc96cc" xsi:nil="true"/>
-    <ContentItem xmlns="4873beb7-5857-4685-be1f-d57550cc96cc" xsi:nil="true"/>
-    <TPInstallLocation xmlns="4873beb7-5857-4685-be1f-d57550cc96cc" xsi:nil="true"/>
-    <PublishTargets xmlns="4873beb7-5857-4685-be1f-d57550cc96cc">OfficeOnlineVNext</PublishTargets>
-    <TimesCloned xmlns="4873beb7-5857-4685-be1f-d57550cc96cc" xsi:nil="true"/>
-    <AssetStart xmlns="4873beb7-5857-4685-be1f-d57550cc96cc">2012-05-23T08:44:00+00:00</AssetStart>
-    <Provider xmlns="4873beb7-5857-4685-be1f-d57550cc96cc" xsi:nil="true"/>
-    <AcquiredFrom xmlns="4873beb7-5857-4685-be1f-d57550cc96cc">Internal MS</AcquiredFrom>
-    <FriendlyTitle xmlns="4873beb7-5857-4685-be1f-d57550cc96cc" xsi:nil="true"/>
-    <LastHandOff xmlns="4873beb7-5857-4685-be1f-d57550cc96cc" xsi:nil="true"/>
-    <TPClientViewer xmlns="4873beb7-5857-4685-be1f-d57550cc96cc" xsi:nil="true"/>
-    <UACurrentWords xmlns="4873beb7-5857-4685-be1f-d57550cc96cc" xsi:nil="true"/>
-    <ArtSampleDocs xmlns="4873beb7-5857-4685-be1f-d57550cc96cc" xsi:nil="true"/>
-    <UALocRecommendation xmlns="4873beb7-5857-4685-be1f-d57550cc96cc">Localize</UALocRecommendation>
-    <Manager xmlns="4873beb7-5857-4685-be1f-d57550cc96cc" xsi:nil="true"/>
-    <ShowIn xmlns="4873beb7-5857-4685-be1f-d57550cc96cc">Show everywhere</ShowIn>
-    <UANotes xmlns="4873beb7-5857-4685-be1f-d57550cc96cc" xsi:nil="true"/>
-    <TemplateStatus xmlns="4873beb7-5857-4685-be1f-d57550cc96cc">Complete</TemplateStatus>
-    <InternalTagsTaxHTField0 xmlns="4873beb7-5857-4685-be1f-d57550cc96cc">
-      <Terms xmlns="http://schemas.microsoft.com/office/infopath/2007/PartnerControls"/>
-    </InternalTagsTaxHTField0>
-    <CSXHash xmlns="4873beb7-5857-4685-be1f-d57550cc96cc" xsi:nil="true"/>
-    <Downloads xmlns="4873beb7-5857-4685-be1f-d57550cc96cc">0</Downloads>
-    <VoteCount xmlns="4873beb7-5857-4685-be1f-d57550cc96cc" xsi:nil="true"/>
-    <OOCacheId xmlns="4873beb7-5857-4685-be1f-d57550cc96cc" xsi:nil="true"/>
-    <IsDeleted xmlns="4873beb7-5857-4685-be1f-d57550cc96cc">false</IsDeleted>
-    <AssetExpire xmlns="4873beb7-5857-4685-be1f-d57550cc96cc">2029-01-01T08:00:00+00:00</AssetExpire>
-    <DSATActionTaken xmlns="4873beb7-5857-4685-be1f-d57550cc96cc" xsi:nil="true"/>
-    <CSXSubmissionMarket xmlns="4873beb7-5857-4685-be1f-d57550cc96cc" xsi:nil="true"/>
-    <TPExecutable xmlns="4873beb7-5857-4685-be1f-d57550cc96cc" xsi:nil="true"/>
-    <SubmitterId xmlns="4873beb7-5857-4685-be1f-d57550cc96cc" xsi:nil="true"/>
-    <EditorialTags xmlns="4873beb7-5857-4685-be1f-d57550cc96cc" xsi:nil="true"/>
-    <ApprovalLog xmlns="4873beb7-5857-4685-be1f-d57550cc96cc" xsi:nil="true"/>
-    <AssetType xmlns="4873beb7-5857-4685-be1f-d57550cc96cc">TP</AssetType>
-    <BugNumber xmlns="4873beb7-5857-4685-be1f-d57550cc96cc" xsi:nil="true"/>
-    <CSXSubmissionDate xmlns="4873beb7-5857-4685-be1f-d57550cc96cc" xsi:nil="true"/>
-    <CSXUpdate xmlns="4873beb7-5857-4685-be1f-d57550cc96cc">false</CSXUpdate>
-    <Milestone xmlns="4873beb7-5857-4685-be1f-d57550cc96cc" xsi:nil="true"/>
-    <RecommendationsModifier xmlns="4873beb7-5857-4685-be1f-d57550cc96cc" xsi:nil="true"/>
-    <OriginAsset xmlns="4873beb7-5857-4685-be1f-d57550cc96cc" xsi:nil="true"/>
-    <TPComponent xmlns="4873beb7-5857-4685-be1f-d57550cc96cc" xsi:nil="true"/>
-    <AssetId xmlns="4873beb7-5857-4685-be1f-d57550cc96cc">TP102901017</AssetId>
-    <IntlLocPriority xmlns="4873beb7-5857-4685-be1f-d57550cc96cc" xsi:nil="true"/>
-    <PolicheckWords xmlns="4873beb7-5857-4685-be1f-d57550cc96cc" xsi:nil="true"/>
-    <TPLaunchHelpLink xmlns="4873beb7-5857-4685-be1f-d57550cc96cc" xsi:nil="true"/>
-    <TPApplication xmlns="4873beb7-5857-4685-be1f-d57550cc96cc" xsi:nil="true"/>
-    <CrawlForDependencies xmlns="4873beb7-5857-4685-be1f-d57550cc96cc">false</CrawlForDependencies>
-    <HandoffToMSDN xmlns="4873beb7-5857-4685-be1f-d57550cc96cc" xsi:nil="true"/>
-    <PlannedPubDate xmlns="4873beb7-5857-4685-be1f-d57550cc96cc" xsi:nil="true"/>
-    <IntlLangReviewer xmlns="4873beb7-5857-4685-be1f-d57550cc96cc" xsi:nil="true"/>
-    <TrustLevel xmlns="4873beb7-5857-4685-be1f-d57550cc96cc">1 Microsoft Managed Content</TrustLevel>
-    <LocLastLocAttemptVersionLookup xmlns="4873beb7-5857-4685-be1f-d57550cc96cc">836753</LocLastLocAttemptVersionLookup>
-    <IsSearchable xmlns="4873beb7-5857-4685-be1f-d57550cc96cc">true</IsSearchable>
-    <TemplateTemplateType xmlns="4873beb7-5857-4685-be1f-d57550cc96cc">PowerPoint Design Template</TemplateTemplateType>
-    <CampaignTagsTaxHTField0 xmlns="4873beb7-5857-4685-be1f-d57550cc96cc">
-      <Terms xmlns="http://schemas.microsoft.com/office/infopath/2007/PartnerControls"/>
-    </CampaignTagsTaxHTField0>
-    <TPNamespace xmlns="4873beb7-5857-4685-be1f-d57550cc96cc" xsi:nil="true"/>
-    <TaxCatchAll xmlns="4873beb7-5857-4685-be1f-d57550cc96cc"/>
-    <Markets xmlns="4873beb7-5857-4685-be1f-d57550cc96cc"/>
-    <UAProjectedTotalWords xmlns="4873beb7-5857-4685-be1f-d57550cc96cc" xsi:nil="true"/>
-    <IntlLangReview xmlns="4873beb7-5857-4685-be1f-d57550cc96cc">false</IntlLangReview>
-    <OutputCachingOn xmlns="4873beb7-5857-4685-be1f-d57550cc96cc">false</OutputCachingOn>
-    <AverageRating xmlns="4873beb7-5857-4685-be1f-d57550cc96cc" xsi:nil="true"/>
-    <APAuthor xmlns="4873beb7-5857-4685-be1f-d57550cc96cc">
-      <UserInfo>
-        <DisplayName>REDMOND\v-anij</DisplayName>
-        <AccountId>2469</AccountId>
-        <AccountType/>
-      </UserInfo>
-    </APAuthor>
-    <LocManualTestRequired xmlns="4873beb7-5857-4685-be1f-d57550cc96cc">false</LocManualTestRequired>
-    <TPCommandLine xmlns="4873beb7-5857-4685-be1f-d57550cc96cc" xsi:nil="true"/>
-    <TPAppVersion xmlns="4873beb7-5857-4685-be1f-d57550cc96cc" xsi:nil="true"/>
-    <EditorialStatus xmlns="4873beb7-5857-4685-be1f-d57550cc96cc">Complete</EditorialStatus>
-    <LastModifiedDateTime xmlns="4873beb7-5857-4685-be1f-d57550cc96cc" xsi:nil="true"/>
-    <ScenarioTagsTaxHTField0 xmlns="4873beb7-5857-4685-be1f-d57550cc96cc">
-      <Terms xmlns="http://schemas.microsoft.com/office/infopath/2007/PartnerControls"/>
-    </ScenarioTagsTaxHTField0>
-    <OriginalRelease xmlns="4873beb7-5857-4685-be1f-d57550cc96cc">15</OriginalRelease>
-    <TPLaunchHelpLinkType xmlns="4873beb7-5857-4685-be1f-d57550cc96cc">Template</TPLaunchHelpLinkType>
-    <LocalizationTagsTaxHTField0 xmlns="4873beb7-5857-4685-be1f-d57550cc96cc">
-      <Terms xmlns="http://schemas.microsoft.com/office/infopath/2007/PartnerControls"/>
-    </LocalizationTagsTaxHTField0>
-    <LocMarketGroupTiers2 xmlns="4873beb7-5857-4685-be1f-d57550cc96cc" xsi:nil="true"/>
-  </documentManagement>
-</p:properties>
-</file>
-
-<file path=customXml/item2.xml><?xml version="1.0" encoding="utf-8"?>
-<?mso-contentType ?>
-<FormTemplates xmlns="http://schemas.microsoft.com/sharepoint/v3/contenttype/forms">
-  <Display>DocumentLibraryForm</Display>
-  <Edit>AssetEditForm</Edit>
-  <New>DocumentLibraryForm</New>
-</FormTemplates>
-</file>
-
-<file path=customXml/item3.xml><?xml version="1.0" encoding="utf-8"?>
 <ct:contentTypeSchema xmlns:ct="http://schemas.microsoft.com/office/2006/metadata/contentType" xmlns:ma="http://schemas.microsoft.com/office/2006/metadata/properties/metaAttributes" ct:_="" ma:_="" ma:contentTypeName="TemplateFile" ma:contentTypeID="0x0101006EDDDB5EE6D98C44930B742096920B300400F5B6D36B3EF94B4E9A635CDF2A18F5B8" ma:contentTypeVersion="72" ma:contentTypeDescription="Create a new document." ma:contentTypeScope="" ma:versionID="a23e56308344d904b51738559c3d67c9">
   <xsd:schema xmlns:xsd="http://www.w3.org/2001/XMLSchema" xmlns:xs="http://www.w3.org/2001/XMLSchema" xmlns:p="http://schemas.microsoft.com/office/2006/metadata/properties" xmlns:ns2="4873beb7-5857-4685-be1f-d57550cc96cc" targetNamespace="http://schemas.microsoft.com/office/2006/metadata/properties" ma:root="true" ma:fieldsID="cd0908cc4600e77bf5da051303e00c8d" ns2:_="">
     <xsd:import namespace="4873beb7-5857-4685-be1f-d57550cc96cc"/>
@@ -9613,31 +9532,142 @@
 </ct:contentTypeSchema>
 </file>
 
-<file path=customXml/itemProps1.xml><?xml version="1.0" encoding="utf-8"?>
-<ds:datastoreItem xmlns:ds="http://schemas.openxmlformats.org/officeDocument/2006/customXml" ds:itemID="{04098515-0C12-46CF-BC7C-69B4A13CD5FA}">
-  <ds:schemaRefs>
-    <ds:schemaRef ds:uri="http://purl.org/dc/terms/"/>
-    <ds:schemaRef ds:uri="http://schemas.microsoft.com/office/2006/documentManagement/types"/>
-    <ds:schemaRef ds:uri="http://purl.org/dc/dcmitype/"/>
-    <ds:schemaRef ds:uri="http://schemas.microsoft.com/office/2006/metadata/properties"/>
-    <ds:schemaRef ds:uri="http://schemas.openxmlformats.org/package/2006/metadata/core-properties"/>
-    <ds:schemaRef ds:uri="http://purl.org/dc/elements/1.1/"/>
-    <ds:schemaRef ds:uri="http://schemas.microsoft.com/office/infopath/2007/PartnerControls"/>
-    <ds:schemaRef ds:uri="4873beb7-5857-4685-be1f-d57550cc96cc"/>
-    <ds:schemaRef ds:uri="http://www.w3.org/XML/1998/namespace"/>
-  </ds:schemaRefs>
-</ds:datastoreItem>
+<file path=customXml/item2.xml><?xml version="1.0" encoding="utf-8"?>
+<?mso-contentType ?>
+<FormTemplates xmlns="http://schemas.microsoft.com/sharepoint/v3/contenttype/forms">
+  <Display>DocumentLibraryForm</Display>
+  <Edit>AssetEditForm</Edit>
+  <New>DocumentLibraryForm</New>
+</FormTemplates>
 </file>
 
-<file path=customXml/itemProps2.xml><?xml version="1.0" encoding="utf-8"?>
-<ds:datastoreItem xmlns:ds="http://schemas.openxmlformats.org/officeDocument/2006/customXml" ds:itemID="{746CFF6F-D9AA-4BC0-911A-0A1356771912}">
-  <ds:schemaRefs>
-    <ds:schemaRef ds:uri="http://schemas.microsoft.com/sharepoint/v3/contenttype/forms"/>
-  </ds:schemaRefs>
-</ds:datastoreItem>
+<file path=customXml/item3.xml><?xml version="1.0" encoding="utf-8"?>
+<p:properties xmlns:p="http://schemas.microsoft.com/office/2006/metadata/properties" xmlns:xsi="http://www.w3.org/2001/XMLSchema-instance" xmlns:pc="http://schemas.microsoft.com/office/infopath/2007/PartnerControls">
+  <documentManagement>
+    <DirectSourceMarket xmlns="4873beb7-5857-4685-be1f-d57550cc96cc" xsi:nil="true"/>
+    <ApprovalStatus xmlns="4873beb7-5857-4685-be1f-d57550cc96cc">InProgress</ApprovalStatus>
+    <MarketSpecific xmlns="4873beb7-5857-4685-be1f-d57550cc96cc">false</MarketSpecific>
+    <LocComments xmlns="4873beb7-5857-4685-be1f-d57550cc96cc" xsi:nil="true"/>
+    <ThumbnailAssetId xmlns="4873beb7-5857-4685-be1f-d57550cc96cc" xsi:nil="true"/>
+    <PrimaryImageGen xmlns="4873beb7-5857-4685-be1f-d57550cc96cc">true</PrimaryImageGen>
+    <LegacyData xmlns="4873beb7-5857-4685-be1f-d57550cc96cc" xsi:nil="true"/>
+    <LocRecommendedHandoff xmlns="4873beb7-5857-4685-be1f-d57550cc96cc" xsi:nil="true"/>
+    <BusinessGroup xmlns="4873beb7-5857-4685-be1f-d57550cc96cc" xsi:nil="true"/>
+    <BlockPublish xmlns="4873beb7-5857-4685-be1f-d57550cc96cc">false</BlockPublish>
+    <TPFriendlyName xmlns="4873beb7-5857-4685-be1f-d57550cc96cc" xsi:nil="true"/>
+    <NumericId xmlns="4873beb7-5857-4685-be1f-d57550cc96cc" xsi:nil="true"/>
+    <APEditor xmlns="4873beb7-5857-4685-be1f-d57550cc96cc">
+      <UserInfo>
+        <DisplayName/>
+        <AccountId xsi:nil="true"/>
+        <AccountType/>
+      </UserInfo>
+    </APEditor>
+    <SourceTitle xmlns="4873beb7-5857-4685-be1f-d57550cc96cc" xsi:nil="true"/>
+    <OpenTemplate xmlns="4873beb7-5857-4685-be1f-d57550cc96cc">true</OpenTemplate>
+    <UALocComments xmlns="4873beb7-5857-4685-be1f-d57550cc96cc" xsi:nil="true"/>
+    <ParentAssetId xmlns="4873beb7-5857-4685-be1f-d57550cc96cc" xsi:nil="true"/>
+    <IntlLangReviewDate xmlns="4873beb7-5857-4685-be1f-d57550cc96cc" xsi:nil="true"/>
+    <FeatureTagsTaxHTField0 xmlns="4873beb7-5857-4685-be1f-d57550cc96cc">
+      <Terms xmlns="http://schemas.microsoft.com/office/infopath/2007/PartnerControls"/>
+    </FeatureTagsTaxHTField0>
+    <PublishStatusLookup xmlns="4873beb7-5857-4685-be1f-d57550cc96cc">
+      <Value>1566889</Value>
+    </PublishStatusLookup>
+    <Providers xmlns="4873beb7-5857-4685-be1f-d57550cc96cc" xsi:nil="true"/>
+    <MachineTranslated xmlns="4873beb7-5857-4685-be1f-d57550cc96cc">false</MachineTranslated>
+    <OriginalSourceMarket xmlns="4873beb7-5857-4685-be1f-d57550cc96cc" xsi:nil="true"/>
+    <APDescription xmlns="4873beb7-5857-4685-be1f-d57550cc96cc" xsi:nil="true"/>
+    <ClipArtFilename xmlns="4873beb7-5857-4685-be1f-d57550cc96cc" xsi:nil="true"/>
+    <ContentItem xmlns="4873beb7-5857-4685-be1f-d57550cc96cc" xsi:nil="true"/>
+    <TPInstallLocation xmlns="4873beb7-5857-4685-be1f-d57550cc96cc" xsi:nil="true"/>
+    <PublishTargets xmlns="4873beb7-5857-4685-be1f-d57550cc96cc">OfficeOnlineVNext</PublishTargets>
+    <TimesCloned xmlns="4873beb7-5857-4685-be1f-d57550cc96cc" xsi:nil="true"/>
+    <AssetStart xmlns="4873beb7-5857-4685-be1f-d57550cc96cc">2012-05-23T08:44:00+00:00</AssetStart>
+    <Provider xmlns="4873beb7-5857-4685-be1f-d57550cc96cc" xsi:nil="true"/>
+    <AcquiredFrom xmlns="4873beb7-5857-4685-be1f-d57550cc96cc">Internal MS</AcquiredFrom>
+    <FriendlyTitle xmlns="4873beb7-5857-4685-be1f-d57550cc96cc" xsi:nil="true"/>
+    <LastHandOff xmlns="4873beb7-5857-4685-be1f-d57550cc96cc" xsi:nil="true"/>
+    <TPClientViewer xmlns="4873beb7-5857-4685-be1f-d57550cc96cc" xsi:nil="true"/>
+    <UACurrentWords xmlns="4873beb7-5857-4685-be1f-d57550cc96cc" xsi:nil="true"/>
+    <ArtSampleDocs xmlns="4873beb7-5857-4685-be1f-d57550cc96cc" xsi:nil="true"/>
+    <UALocRecommendation xmlns="4873beb7-5857-4685-be1f-d57550cc96cc">Localize</UALocRecommendation>
+    <Manager xmlns="4873beb7-5857-4685-be1f-d57550cc96cc" xsi:nil="true"/>
+    <ShowIn xmlns="4873beb7-5857-4685-be1f-d57550cc96cc">Show everywhere</ShowIn>
+    <UANotes xmlns="4873beb7-5857-4685-be1f-d57550cc96cc" xsi:nil="true"/>
+    <TemplateStatus xmlns="4873beb7-5857-4685-be1f-d57550cc96cc">Complete</TemplateStatus>
+    <InternalTagsTaxHTField0 xmlns="4873beb7-5857-4685-be1f-d57550cc96cc">
+      <Terms xmlns="http://schemas.microsoft.com/office/infopath/2007/PartnerControls"/>
+    </InternalTagsTaxHTField0>
+    <CSXHash xmlns="4873beb7-5857-4685-be1f-d57550cc96cc" xsi:nil="true"/>
+    <Downloads xmlns="4873beb7-5857-4685-be1f-d57550cc96cc">0</Downloads>
+    <VoteCount xmlns="4873beb7-5857-4685-be1f-d57550cc96cc" xsi:nil="true"/>
+    <OOCacheId xmlns="4873beb7-5857-4685-be1f-d57550cc96cc" xsi:nil="true"/>
+    <IsDeleted xmlns="4873beb7-5857-4685-be1f-d57550cc96cc">false</IsDeleted>
+    <AssetExpire xmlns="4873beb7-5857-4685-be1f-d57550cc96cc">2029-01-01T08:00:00+00:00</AssetExpire>
+    <DSATActionTaken xmlns="4873beb7-5857-4685-be1f-d57550cc96cc" xsi:nil="true"/>
+    <CSXSubmissionMarket xmlns="4873beb7-5857-4685-be1f-d57550cc96cc" xsi:nil="true"/>
+    <TPExecutable xmlns="4873beb7-5857-4685-be1f-d57550cc96cc" xsi:nil="true"/>
+    <SubmitterId xmlns="4873beb7-5857-4685-be1f-d57550cc96cc" xsi:nil="true"/>
+    <EditorialTags xmlns="4873beb7-5857-4685-be1f-d57550cc96cc" xsi:nil="true"/>
+    <ApprovalLog xmlns="4873beb7-5857-4685-be1f-d57550cc96cc" xsi:nil="true"/>
+    <AssetType xmlns="4873beb7-5857-4685-be1f-d57550cc96cc">TP</AssetType>
+    <BugNumber xmlns="4873beb7-5857-4685-be1f-d57550cc96cc" xsi:nil="true"/>
+    <CSXSubmissionDate xmlns="4873beb7-5857-4685-be1f-d57550cc96cc" xsi:nil="true"/>
+    <CSXUpdate xmlns="4873beb7-5857-4685-be1f-d57550cc96cc">false</CSXUpdate>
+    <Milestone xmlns="4873beb7-5857-4685-be1f-d57550cc96cc" xsi:nil="true"/>
+    <RecommendationsModifier xmlns="4873beb7-5857-4685-be1f-d57550cc96cc" xsi:nil="true"/>
+    <OriginAsset xmlns="4873beb7-5857-4685-be1f-d57550cc96cc" xsi:nil="true"/>
+    <TPComponent xmlns="4873beb7-5857-4685-be1f-d57550cc96cc" xsi:nil="true"/>
+    <AssetId xmlns="4873beb7-5857-4685-be1f-d57550cc96cc">TP102901017</AssetId>
+    <IntlLocPriority xmlns="4873beb7-5857-4685-be1f-d57550cc96cc" xsi:nil="true"/>
+    <PolicheckWords xmlns="4873beb7-5857-4685-be1f-d57550cc96cc" xsi:nil="true"/>
+    <TPLaunchHelpLink xmlns="4873beb7-5857-4685-be1f-d57550cc96cc" xsi:nil="true"/>
+    <TPApplication xmlns="4873beb7-5857-4685-be1f-d57550cc96cc" xsi:nil="true"/>
+    <CrawlForDependencies xmlns="4873beb7-5857-4685-be1f-d57550cc96cc">false</CrawlForDependencies>
+    <HandoffToMSDN xmlns="4873beb7-5857-4685-be1f-d57550cc96cc" xsi:nil="true"/>
+    <PlannedPubDate xmlns="4873beb7-5857-4685-be1f-d57550cc96cc" xsi:nil="true"/>
+    <IntlLangReviewer xmlns="4873beb7-5857-4685-be1f-d57550cc96cc" xsi:nil="true"/>
+    <TrustLevel xmlns="4873beb7-5857-4685-be1f-d57550cc96cc">1 Microsoft Managed Content</TrustLevel>
+    <LocLastLocAttemptVersionLookup xmlns="4873beb7-5857-4685-be1f-d57550cc96cc">836753</LocLastLocAttemptVersionLookup>
+    <IsSearchable xmlns="4873beb7-5857-4685-be1f-d57550cc96cc">true</IsSearchable>
+    <TemplateTemplateType xmlns="4873beb7-5857-4685-be1f-d57550cc96cc">PowerPoint Design Template</TemplateTemplateType>
+    <CampaignTagsTaxHTField0 xmlns="4873beb7-5857-4685-be1f-d57550cc96cc">
+      <Terms xmlns="http://schemas.microsoft.com/office/infopath/2007/PartnerControls"/>
+    </CampaignTagsTaxHTField0>
+    <TPNamespace xmlns="4873beb7-5857-4685-be1f-d57550cc96cc" xsi:nil="true"/>
+    <TaxCatchAll xmlns="4873beb7-5857-4685-be1f-d57550cc96cc"/>
+    <Markets xmlns="4873beb7-5857-4685-be1f-d57550cc96cc"/>
+    <UAProjectedTotalWords xmlns="4873beb7-5857-4685-be1f-d57550cc96cc" xsi:nil="true"/>
+    <IntlLangReview xmlns="4873beb7-5857-4685-be1f-d57550cc96cc">false</IntlLangReview>
+    <OutputCachingOn xmlns="4873beb7-5857-4685-be1f-d57550cc96cc">false</OutputCachingOn>
+    <AverageRating xmlns="4873beb7-5857-4685-be1f-d57550cc96cc" xsi:nil="true"/>
+    <APAuthor xmlns="4873beb7-5857-4685-be1f-d57550cc96cc">
+      <UserInfo>
+        <DisplayName>REDMOND\v-anij</DisplayName>
+        <AccountId>2469</AccountId>
+        <AccountType/>
+      </UserInfo>
+    </APAuthor>
+    <LocManualTestRequired xmlns="4873beb7-5857-4685-be1f-d57550cc96cc">false</LocManualTestRequired>
+    <TPCommandLine xmlns="4873beb7-5857-4685-be1f-d57550cc96cc" xsi:nil="true"/>
+    <TPAppVersion xmlns="4873beb7-5857-4685-be1f-d57550cc96cc" xsi:nil="true"/>
+    <EditorialStatus xmlns="4873beb7-5857-4685-be1f-d57550cc96cc">Complete</EditorialStatus>
+    <LastModifiedDateTime xmlns="4873beb7-5857-4685-be1f-d57550cc96cc" xsi:nil="true"/>
+    <ScenarioTagsTaxHTField0 xmlns="4873beb7-5857-4685-be1f-d57550cc96cc">
+      <Terms xmlns="http://schemas.microsoft.com/office/infopath/2007/PartnerControls"/>
+    </ScenarioTagsTaxHTField0>
+    <OriginalRelease xmlns="4873beb7-5857-4685-be1f-d57550cc96cc">15</OriginalRelease>
+    <TPLaunchHelpLinkType xmlns="4873beb7-5857-4685-be1f-d57550cc96cc">Template</TPLaunchHelpLinkType>
+    <LocalizationTagsTaxHTField0 xmlns="4873beb7-5857-4685-be1f-d57550cc96cc">
+      <Terms xmlns="http://schemas.microsoft.com/office/infopath/2007/PartnerControls"/>
+    </LocalizationTagsTaxHTField0>
+    <LocMarketGroupTiers2 xmlns="4873beb7-5857-4685-be1f-d57550cc96cc" xsi:nil="true"/>
+  </documentManagement>
+</p:properties>
 </file>
 
-<file path=customXml/itemProps3.xml><?xml version="1.0" encoding="utf-8"?>
+<file path=customXml/itemProps1.xml><?xml version="1.0" encoding="utf-8"?>
 <ds:datastoreItem xmlns:ds="http://schemas.openxmlformats.org/officeDocument/2006/customXml" ds:itemID="{0B5C6E15-39DC-470B-9445-F754B9458020}">
   <ds:schemaRefs>
     <ds:schemaRef ds:uri="http://schemas.microsoft.com/office/2006/metadata/contentType"/>
@@ -9653,4 +9683,28 @@
     <ds:schemaRef ds:uri="http://schemas.microsoft.com/internal/obd"/>
   </ds:schemaRefs>
 </ds:datastoreItem>
+</file>
+
+<file path=customXml/itemProps2.xml><?xml version="1.0" encoding="utf-8"?>
+<ds:datastoreItem xmlns:ds="http://schemas.openxmlformats.org/officeDocument/2006/customXml" ds:itemID="{746CFF6F-D9AA-4BC0-911A-0A1356771912}">
+  <ds:schemaRefs>
+    <ds:schemaRef ds:uri="http://schemas.microsoft.com/sharepoint/v3/contenttype/forms"/>
+  </ds:schemaRefs>
+</ds:datastoreItem>
+</file>
+
+<file path=customXml/itemProps3.xml><?xml version="1.0" encoding="utf-8"?>
+<ds:datastoreItem xmlns:ds="http://schemas.openxmlformats.org/officeDocument/2006/customXml" ds:itemID="{04098515-0C12-46CF-BC7C-69B4A13CD5FA}">
+  <ds:schemaRefs>
+    <ds:schemaRef ds:uri="http://purl.org/dc/terms/"/>
+    <ds:schemaRef ds:uri="http://schemas.microsoft.com/office/2006/documentManagement/types"/>
+    <ds:schemaRef ds:uri="http://purl.org/dc/dcmitype/"/>
+    <ds:schemaRef ds:uri="http://schemas.microsoft.com/office/2006/metadata/properties"/>
+    <ds:schemaRef ds:uri="http://schemas.openxmlformats.org/package/2006/metadata/core-properties"/>
+    <ds:schemaRef ds:uri="http://purl.org/dc/elements/1.1/"/>
+    <ds:schemaRef ds:uri="http://schemas.microsoft.com/office/infopath/2007/PartnerControls"/>
+    <ds:schemaRef ds:uri="4873beb7-5857-4685-be1f-d57550cc96cc"/>
+    <ds:schemaRef ds:uri="http://www.w3.org/XML/1998/namespace"/>
+  </ds:schemaRefs>
+</ds:datastoreItem>
 </file>